--- a/Schere-Stein-Papier/Schere-Stein-Papier.pptx
+++ b/Schere-Stein-Papier/Schere-Stein-Papier.pptx
@@ -201,7 +201,7 @@
           <a:p>
             <a:fld id="{DD7A25D8-F173-4133-85F8-CB962D678EB5}" type="datetimeFigureOut">
               <a:rPr lang="de-DE" smtClean="0"/>
-              <a:t>21.02.2020</a:t>
+              <a:t>24.02.2020</a:t>
             </a:fld>
             <a:endParaRPr lang="de-DE"/>
           </a:p>
@@ -599,7 +599,7 @@
           <a:p>
             <a:fld id="{FC9269F9-6F79-4414-A84E-D81C6C443C37}" type="datetimeFigureOut">
               <a:rPr lang="de-DE" smtClean="0"/>
-              <a:t>21.02.2020</a:t>
+              <a:t>24.02.2020</a:t>
             </a:fld>
             <a:endParaRPr lang="de-DE"/>
           </a:p>
@@ -1890,7 +1890,7 @@
           <a:p>
             <a:fld id="{FC9269F9-6F79-4414-A84E-D81C6C443C37}" type="datetimeFigureOut">
               <a:rPr lang="de-DE" smtClean="0"/>
-              <a:t>21.02.2020</a:t>
+              <a:t>24.02.2020</a:t>
             </a:fld>
             <a:endParaRPr lang="de-DE"/>
           </a:p>
@@ -2460,7 +2460,7 @@
           <a:p>
             <a:fld id="{FC9269F9-6F79-4414-A84E-D81C6C443C37}" type="datetimeFigureOut">
               <a:rPr lang="de-DE" smtClean="0"/>
-              <a:t>21.02.2020</a:t>
+              <a:t>24.02.2020</a:t>
             </a:fld>
             <a:endParaRPr lang="de-DE"/>
           </a:p>
@@ -3469,7 +3469,7 @@
           <a:p>
             <a:fld id="{FC9269F9-6F79-4414-A84E-D81C6C443C37}" type="datetimeFigureOut">
               <a:rPr lang="de-DE" smtClean="0"/>
-              <a:t>21.02.2020</a:t>
+              <a:t>24.02.2020</a:t>
             </a:fld>
             <a:endParaRPr lang="de-DE"/>
           </a:p>
@@ -3835,7 +3835,7 @@
           <a:p>
             <a:fld id="{FC9269F9-6F79-4414-A84E-D81C6C443C37}" type="datetimeFigureOut">
               <a:rPr lang="de-DE" smtClean="0"/>
-              <a:t>21.02.2020</a:t>
+              <a:t>24.02.2020</a:t>
             </a:fld>
             <a:endParaRPr lang="de-DE"/>
           </a:p>
@@ -4191,7 +4191,7 @@
           <a:p>
             <a:fld id="{FC9269F9-6F79-4414-A84E-D81C6C443C37}" type="datetimeFigureOut">
               <a:rPr lang="de-DE" smtClean="0"/>
-              <a:t>21.02.2020</a:t>
+              <a:t>24.02.2020</a:t>
             </a:fld>
             <a:endParaRPr lang="de-DE"/>
           </a:p>
@@ -5015,7 +5015,94 @@
           <a:bodyPr/>
           <a:lstStyle/>
           <a:p>
-            <a:endParaRPr lang="de-DE"/>
+            <a:pPr marL="0" indent="0">
+              <a:buNone/>
+            </a:pPr>
+            <a:r>
+              <a:rPr lang="de-DE" sz="1600" b="1" dirty="0"/>
+              <a:t>Ursprüngliche Idee</a:t>
+            </a:r>
+          </a:p>
+          <a:p>
+            <a:pPr marL="0" indent="0">
+              <a:lnSpc>
+                <a:spcPct val="100000"/>
+              </a:lnSpc>
+              <a:buNone/>
+            </a:pPr>
+            <a:r>
+              <a:rPr lang="de-DE" dirty="0"/>
+              <a:t>Schere Stein Papier</a:t>
+            </a:r>
+          </a:p>
+          <a:p>
+            <a:pPr marL="0" indent="0">
+              <a:lnSpc>
+                <a:spcPct val="100000"/>
+              </a:lnSpc>
+              <a:buNone/>
+            </a:pPr>
+            <a:r>
+              <a:rPr lang="de-DE" dirty="0"/>
+              <a:t>App Camps gemeinnützige Unternehmergesellschaft (haftungsbeschränkt)</a:t>
+            </a:r>
+            <a:br>
+              <a:rPr lang="de-DE" dirty="0"/>
+            </a:br>
+            <a:br>
+              <a:rPr lang="de-DE" dirty="0"/>
+            </a:br>
+            <a:r>
+              <a:rPr lang="de-DE" dirty="0"/>
+              <a:t>URL des Werkes: </a:t>
+            </a:r>
+            <a:r>
+              <a:rPr lang="de-DE" dirty="0">
+                <a:hlinkClick r:id="rId2"/>
+              </a:rPr>
+              <a:t>www.appcamps.de</a:t>
+            </a:r>
+            <a:r>
+              <a:rPr lang="de-DE" dirty="0"/>
+              <a:t> </a:t>
+            </a:r>
+            <a:br>
+              <a:rPr lang="de-DE" dirty="0"/>
+            </a:br>
+            <a:r>
+              <a:rPr lang="de-DE" dirty="0"/>
+              <a:t>Format des Werks: Mehrere Formate</a:t>
+            </a:r>
+            <a:br>
+              <a:rPr lang="de-DE" dirty="0"/>
+            </a:br>
+            <a:r>
+              <a:rPr lang="de-DE" dirty="0"/>
+              <a:t>Lizenzkennzeichnung: CC-BY-SA</a:t>
+            </a:r>
+            <a:br>
+              <a:rPr lang="de-DE" dirty="0"/>
+            </a:br>
+            <a:r>
+              <a:rPr lang="de-DE" dirty="0"/>
+              <a:t>24.02.2020</a:t>
+            </a:r>
+          </a:p>
+          <a:p>
+            <a:pPr marL="0" indent="0">
+              <a:buNone/>
+            </a:pPr>
+            <a:r>
+              <a:rPr lang="de-DE">
+                <a:hlinkClick r:id="rId3"/>
+              </a:rPr>
+              <a:t>https://appcamps.de/wp-content/uploads/2017/12/Beispiel_OpenRoberta_SchereSteinPapier.pdf</a:t>
+            </a:r>
+            <a:r>
+              <a:rPr lang="de-DE"/>
+              <a:t> </a:t>
+            </a:r>
+            <a:endParaRPr lang="de-DE" dirty="0"/>
           </a:p>
         </p:txBody>
       </p:sp>
